--- a/docs/Slide-bao-cao-LVTN (slide trình hội đồng nhóm cũ).pptx
+++ b/docs/Slide-bao-cao-LVTN (slide trình hội đồng nhóm cũ).pptx
@@ -30015,7 +30015,7 @@
         </p:blipFill>
         <p:spPr bwMode="auto">
           <a:xfrm>
-            <a:off x="914400" y="1752600"/>
+            <a:off x="838200" y="1752600"/>
             <a:ext cx="7315200" cy="4343400"/>
           </a:xfrm>
           <a:prstGeom prst="rect">
